--- a/devops-hsit.pptx
+++ b/devops-hsit.pptx
@@ -12,8 +12,8 @@
     <p:sldId id="260" r:id="rId6"/>
     <p:sldId id="263" r:id="rId7"/>
     <p:sldId id="270" r:id="rId8"/>
-    <p:sldId id="269" r:id="rId9"/>
-    <p:sldId id="271" r:id="rId10"/>
+    <p:sldId id="271" r:id="rId9"/>
+    <p:sldId id="269" r:id="rId10"/>
     <p:sldId id="272" r:id="rId11"/>
     <p:sldId id="273" r:id="rId12"/>
   </p:sldIdLst>
@@ -294,7 +294,7 @@
           <a:p>
             <a:fld id="{1D8BD707-D9CF-40AE-B4C6-C98DA3205C09}" type="datetimeFigureOut">
               <a:rPr lang="en-US" smtClean="0"/>
-              <a:t>7/1/2021</a:t>
+              <a:t>7/2/2021</a:t>
             </a:fld>
             <a:endParaRPr lang="en-US"/>
           </a:p>
@@ -494,7 +494,7 @@
           <a:p>
             <a:fld id="{1D8BD707-D9CF-40AE-B4C6-C98DA3205C09}" type="datetimeFigureOut">
               <a:rPr lang="en-US" smtClean="0"/>
-              <a:t>7/1/2021</a:t>
+              <a:t>7/2/2021</a:t>
             </a:fld>
             <a:endParaRPr lang="en-US"/>
           </a:p>
@@ -704,7 +704,7 @@
           <a:p>
             <a:fld id="{1D8BD707-D9CF-40AE-B4C6-C98DA3205C09}" type="datetimeFigureOut">
               <a:rPr lang="en-US" smtClean="0"/>
-              <a:t>7/1/2021</a:t>
+              <a:t>7/2/2021</a:t>
             </a:fld>
             <a:endParaRPr lang="en-US"/>
           </a:p>
@@ -904,7 +904,7 @@
           <a:p>
             <a:fld id="{1D8BD707-D9CF-40AE-B4C6-C98DA3205C09}" type="datetimeFigureOut">
               <a:rPr lang="en-US" smtClean="0"/>
-              <a:t>7/1/2021</a:t>
+              <a:t>7/2/2021</a:t>
             </a:fld>
             <a:endParaRPr lang="en-US"/>
           </a:p>
@@ -1180,7 +1180,7 @@
           <a:p>
             <a:fld id="{1D8BD707-D9CF-40AE-B4C6-C98DA3205C09}" type="datetimeFigureOut">
               <a:rPr lang="en-US" smtClean="0"/>
-              <a:t>7/1/2021</a:t>
+              <a:t>7/2/2021</a:t>
             </a:fld>
             <a:endParaRPr lang="en-US"/>
           </a:p>
@@ -1448,7 +1448,7 @@
           <a:p>
             <a:fld id="{1D8BD707-D9CF-40AE-B4C6-C98DA3205C09}" type="datetimeFigureOut">
               <a:rPr lang="en-US" smtClean="0"/>
-              <a:t>7/1/2021</a:t>
+              <a:t>7/2/2021</a:t>
             </a:fld>
             <a:endParaRPr lang="en-US"/>
           </a:p>
@@ -1863,7 +1863,7 @@
           <a:p>
             <a:fld id="{1D8BD707-D9CF-40AE-B4C6-C98DA3205C09}" type="datetimeFigureOut">
               <a:rPr lang="en-US" smtClean="0"/>
-              <a:t>7/1/2021</a:t>
+              <a:t>7/2/2021</a:t>
             </a:fld>
             <a:endParaRPr lang="en-US"/>
           </a:p>
@@ -2005,7 +2005,7 @@
           <a:p>
             <a:fld id="{1D8BD707-D9CF-40AE-B4C6-C98DA3205C09}" type="datetimeFigureOut">
               <a:rPr lang="en-US" smtClean="0"/>
-              <a:t>7/1/2021</a:t>
+              <a:t>7/2/2021</a:t>
             </a:fld>
             <a:endParaRPr lang="en-US"/>
           </a:p>
@@ -2118,7 +2118,7 @@
           <a:p>
             <a:fld id="{1D8BD707-D9CF-40AE-B4C6-C98DA3205C09}" type="datetimeFigureOut">
               <a:rPr lang="en-US" smtClean="0"/>
-              <a:t>7/1/2021</a:t>
+              <a:t>7/2/2021</a:t>
             </a:fld>
             <a:endParaRPr lang="en-US"/>
           </a:p>
@@ -2431,7 +2431,7 @@
           <a:p>
             <a:fld id="{1D8BD707-D9CF-40AE-B4C6-C98DA3205C09}" type="datetimeFigureOut">
               <a:rPr lang="en-US" smtClean="0"/>
-              <a:t>7/1/2021</a:t>
+              <a:t>7/2/2021</a:t>
             </a:fld>
             <a:endParaRPr lang="en-US"/>
           </a:p>
@@ -2720,7 +2720,7 @@
           <a:p>
             <a:fld id="{1D8BD707-D9CF-40AE-B4C6-C98DA3205C09}" type="datetimeFigureOut">
               <a:rPr lang="en-US" smtClean="0"/>
-              <a:t>7/1/2021</a:t>
+              <a:t>7/2/2021</a:t>
             </a:fld>
             <a:endParaRPr lang="en-US"/>
           </a:p>
@@ -2963,7 +2963,7 @@
           <a:p>
             <a:fld id="{1D8BD707-D9CF-40AE-B4C6-C98DA3205C09}" type="datetimeFigureOut">
               <a:rPr lang="en-US" smtClean="0"/>
-              <a:t>7/1/2021</a:t>
+              <a:t>7/2/2021</a:t>
             </a:fld>
             <a:endParaRPr lang="en-US"/>
           </a:p>
@@ -6447,46 +6447,395 @@
           <a:chExt cx="0" cy="0"/>
         </a:xfrm>
       </p:grpSpPr>
-      <p:pic>
-        <p:nvPicPr>
-          <p:cNvPr id="3" name="Picture 2" descr="Calendar&#10;&#10;Description automatically generated">
-            <a:extLst>
-              <a:ext uri="{FF2B5EF4-FFF2-40B4-BE49-F238E27FC236}">
-                <a16:creationId xmlns:a16="http://schemas.microsoft.com/office/drawing/2014/main" id="{0D624D8F-D56A-4437-B4EF-8891F8744214}"/>
-              </a:ext>
-            </a:extLst>
-          </p:cNvPr>
-          <p:cNvPicPr>
-            <a:picLocks noChangeAspect="1"/>
-          </p:cNvPicPr>
+      <p:sp>
+        <p:nvSpPr>
+          <p:cNvPr id="3" name="TextBox 2">
+            <a:extLst>
+              <a:ext uri="{FF2B5EF4-FFF2-40B4-BE49-F238E27FC236}">
+                <a16:creationId xmlns:a16="http://schemas.microsoft.com/office/drawing/2014/main" id="{BF95FF6F-5200-464A-8F52-61229A0BEF52}"/>
+              </a:ext>
+            </a:extLst>
+          </p:cNvPr>
+          <p:cNvSpPr txBox="1"/>
           <p:nvPr/>
-        </p:nvPicPr>
-        <p:blipFill>
-          <a:blip r:embed="rId2">
-            <a:extLst>
-              <a:ext uri="{28A0092B-C50C-407E-A947-70E740481C1C}">
-                <a14:useLocalDpi xmlns:a14="http://schemas.microsoft.com/office/drawing/2010/main" val="0"/>
-              </a:ext>
-            </a:extLst>
-          </a:blip>
-          <a:stretch>
-            <a:fillRect/>
-          </a:stretch>
-        </p:blipFill>
+        </p:nvSpPr>
         <p:spPr>
           <a:xfrm>
-            <a:off x="0" y="0"/>
-            <a:ext cx="13004800" cy="10972800"/>
+            <a:off x="330200" y="838200"/>
+            <a:ext cx="3581400" cy="8402300"/>
           </a:xfrm>
           <a:prstGeom prst="rect">
             <a:avLst/>
           </a:prstGeom>
+          <a:noFill/>
         </p:spPr>
-      </p:pic>
+        <p:txBody>
+          <a:bodyPr wrap="square" rtlCol="0">
+            <a:spAutoFit/>
+          </a:bodyPr>
+          <a:lstStyle/>
+          <a:p>
+            <a:r>
+              <a:rPr lang="en-AU" sz="6000" dirty="0">
+                <a:latin typeface="Aparajita" panose="020B0502040204020203" pitchFamily="18" charset="0"/>
+                <a:cs typeface="Aparajita" panose="020B0502040204020203" pitchFamily="18" charset="0"/>
+              </a:rPr>
+              <a:t>1)Plan</a:t>
+            </a:r>
+          </a:p>
+          <a:p>
+            <a:r>
+              <a:rPr lang="en-AU" sz="6000" dirty="0">
+                <a:latin typeface="Aparajita" panose="020B0502040204020203" pitchFamily="18" charset="0"/>
+                <a:cs typeface="Aparajita" panose="020B0502040204020203" pitchFamily="18" charset="0"/>
+              </a:rPr>
+              <a:t>2)Code</a:t>
+            </a:r>
+          </a:p>
+          <a:p>
+            <a:r>
+              <a:rPr lang="en-AU" sz="6000" dirty="0">
+                <a:latin typeface="Aparajita" panose="020B0502040204020203" pitchFamily="18" charset="0"/>
+                <a:cs typeface="Aparajita" panose="020B0502040204020203" pitchFamily="18" charset="0"/>
+              </a:rPr>
+              <a:t>3)Build</a:t>
+            </a:r>
+          </a:p>
+          <a:p>
+            <a:r>
+              <a:rPr lang="en-AU" sz="6000" dirty="0">
+                <a:latin typeface="Aparajita" panose="020B0502040204020203" pitchFamily="18" charset="0"/>
+                <a:cs typeface="Aparajita" panose="020B0502040204020203" pitchFamily="18" charset="0"/>
+              </a:rPr>
+              <a:t>4)Deploy</a:t>
+            </a:r>
+          </a:p>
+          <a:p>
+            <a:r>
+              <a:rPr lang="en-AU" sz="6000" dirty="0">
+                <a:latin typeface="Aparajita" panose="020B0502040204020203" pitchFamily="18" charset="0"/>
+                <a:cs typeface="Aparajita" panose="020B0502040204020203" pitchFamily="18" charset="0"/>
+              </a:rPr>
+              <a:t>5)Test</a:t>
+            </a:r>
+          </a:p>
+          <a:p>
+            <a:r>
+              <a:rPr lang="en-AU" sz="6000" dirty="0">
+                <a:latin typeface="Aparajita" panose="020B0502040204020203" pitchFamily="18" charset="0"/>
+                <a:cs typeface="Aparajita" panose="020B0502040204020203" pitchFamily="18" charset="0"/>
+              </a:rPr>
+              <a:t>6)Rebase</a:t>
+            </a:r>
+          </a:p>
+          <a:p>
+            <a:r>
+              <a:rPr lang="en-AU" sz="6000" dirty="0">
+                <a:latin typeface="Aparajita" panose="020B0502040204020203" pitchFamily="18" charset="0"/>
+                <a:cs typeface="Aparajita" panose="020B0502040204020203" pitchFamily="18" charset="0"/>
+              </a:rPr>
+              <a:t>7)Configure</a:t>
+            </a:r>
+          </a:p>
+          <a:p>
+            <a:r>
+              <a:rPr lang="en-AU" sz="6000" dirty="0">
+                <a:latin typeface="Aparajita" panose="020B0502040204020203" pitchFamily="18" charset="0"/>
+                <a:cs typeface="Aparajita" panose="020B0502040204020203" pitchFamily="18" charset="0"/>
+              </a:rPr>
+              <a:t>8)Monitor</a:t>
+            </a:r>
+          </a:p>
+          <a:p>
+            <a:pPr marL="285750" indent="-285750">
+              <a:buFont typeface="Arial" panose="020B0604020202020204" pitchFamily="34" charset="0"/>
+              <a:buChar char="•"/>
+            </a:pPr>
+            <a:endParaRPr lang="en-AU" sz="6000" dirty="0"/>
+          </a:p>
+        </p:txBody>
+      </p:sp>
+      <p:sp>
+        <p:nvSpPr>
+          <p:cNvPr id="5" name="TextBox 4">
+            <a:extLst>
+              <a:ext uri="{FF2B5EF4-FFF2-40B4-BE49-F238E27FC236}">
+                <a16:creationId xmlns:a16="http://schemas.microsoft.com/office/drawing/2014/main" id="{81D8B3D9-9657-4378-900E-E066E0967839}"/>
+              </a:ext>
+            </a:extLst>
+          </p:cNvPr>
+          <p:cNvSpPr txBox="1"/>
+          <p:nvPr/>
+        </p:nvSpPr>
+        <p:spPr>
+          <a:xfrm>
+            <a:off x="2844800" y="-23356"/>
+            <a:ext cx="7315200" cy="2308324"/>
+          </a:xfrm>
+          <a:prstGeom prst="rect">
+            <a:avLst/>
+          </a:prstGeom>
+          <a:noFill/>
+        </p:spPr>
+        <p:txBody>
+          <a:bodyPr wrap="square" rtlCol="0">
+            <a:spAutoFit/>
+          </a:bodyPr>
+          <a:lstStyle/>
+          <a:p>
+            <a:r>
+              <a:rPr lang="en-AU" sz="7200" dirty="0"/>
+              <a:t> </a:t>
+            </a:r>
+            <a:r>
+              <a:rPr lang="en-AU" sz="7200" u="sng" dirty="0">
+                <a:solidFill>
+                  <a:schemeClr val="accent1">
+                    <a:lumMod val="75000"/>
+                  </a:schemeClr>
+                </a:solidFill>
+              </a:rPr>
+              <a:t>Dev</a:t>
+            </a:r>
+            <a:r>
+              <a:rPr lang="en-AU" sz="7200" u="sng" dirty="0">
+                <a:solidFill>
+                  <a:srgbClr val="92D050"/>
+                </a:solidFill>
+              </a:rPr>
+              <a:t>Ops</a:t>
+            </a:r>
+            <a:r>
+              <a:rPr lang="en-AU" sz="7200" u="sng" dirty="0"/>
+              <a:t> Roadmap</a:t>
+            </a:r>
+          </a:p>
+          <a:p>
+            <a:endParaRPr lang="en-AU" sz="7200" dirty="0"/>
+          </a:p>
+        </p:txBody>
+      </p:sp>
+      <p:sp>
+        <p:nvSpPr>
+          <p:cNvPr id="6" name="TextBox 5">
+            <a:extLst>
+              <a:ext uri="{FF2B5EF4-FFF2-40B4-BE49-F238E27FC236}">
+                <a16:creationId xmlns:a16="http://schemas.microsoft.com/office/drawing/2014/main" id="{3298B625-EAB9-40E5-A942-72FCDB81EA30}"/>
+              </a:ext>
+            </a:extLst>
+          </p:cNvPr>
+          <p:cNvSpPr txBox="1"/>
+          <p:nvPr/>
+        </p:nvSpPr>
+        <p:spPr>
+          <a:xfrm>
+            <a:off x="3396574" y="1447800"/>
+            <a:ext cx="9677400" cy="6986528"/>
+          </a:xfrm>
+          <a:prstGeom prst="rect">
+            <a:avLst/>
+          </a:prstGeom>
+          <a:noFill/>
+        </p:spPr>
+        <p:txBody>
+          <a:bodyPr wrap="square" rtlCol="0">
+            <a:spAutoFit/>
+          </a:bodyPr>
+          <a:lstStyle/>
+          <a:p>
+            <a:r>
+              <a:rPr lang="en-AU" sz="3200" b="1" dirty="0">
+                <a:solidFill>
+                  <a:srgbClr val="FF0000"/>
+                </a:solidFill>
+              </a:rPr>
+              <a:t>Step 1</a:t>
+            </a:r>
+            <a:r>
+              <a:rPr lang="en-AU" sz="3200" dirty="0"/>
+              <a:t>: Learn a Programming language</a:t>
+            </a:r>
+          </a:p>
+          <a:p>
+            <a:r>
+              <a:rPr lang="en-AU" sz="3200" b="1" dirty="0">
+                <a:solidFill>
+                  <a:schemeClr val="accent2">
+                    <a:lumMod val="75000"/>
+                  </a:schemeClr>
+                </a:solidFill>
+              </a:rPr>
+              <a:t>Step 2</a:t>
+            </a:r>
+            <a:r>
+              <a:rPr lang="en-AU" sz="3200" dirty="0"/>
+              <a:t>: Learn  Tools that need to depend </a:t>
+            </a:r>
+          </a:p>
+          <a:p>
+            <a:r>
+              <a:rPr lang="en-AU" sz="3200" dirty="0"/>
+              <a:t>           Build : Maven, MS Build</a:t>
+            </a:r>
+          </a:p>
+          <a:p>
+            <a:r>
+              <a:rPr lang="en-AU" sz="3200" dirty="0"/>
+              <a:t>           SCM  : GIT, GitHub, bitbucket, TFS</a:t>
+            </a:r>
+          </a:p>
+          <a:p>
+            <a:r>
+              <a:rPr lang="en-AU" sz="3200" dirty="0"/>
+              <a:t>           CI       : Jenkins, Teamcity, Bamboo</a:t>
+            </a:r>
+          </a:p>
+          <a:p>
+            <a:r>
+              <a:rPr lang="en-AU" sz="3200" dirty="0"/>
+              <a:t>	 CD     : Octopus Deploy</a:t>
+            </a:r>
+            <a:br>
+              <a:rPr lang="en-AU" sz="3200" dirty="0"/>
+            </a:br>
+            <a:r>
+              <a:rPr lang="en-AU" sz="3200" dirty="0"/>
+              <a:t>	 Containerization : Docker,k8s</a:t>
+            </a:r>
+          </a:p>
+          <a:p>
+            <a:r>
+              <a:rPr lang="en-AU" sz="3200" dirty="0"/>
+              <a:t>		   </a:t>
+            </a:r>
+          </a:p>
+          <a:p>
+            <a:r>
+              <a:rPr lang="en-AU" sz="3200" b="1" dirty="0">
+                <a:solidFill>
+                  <a:srgbClr val="FFC000"/>
+                </a:solidFill>
+              </a:rPr>
+              <a:t>Step 3</a:t>
+            </a:r>
+            <a:r>
+              <a:rPr lang="en-AU" sz="3200" dirty="0"/>
+              <a:t>: Learn how to run test from </a:t>
+            </a:r>
+            <a:r>
+              <a:rPr lang="en-AU" sz="3200" dirty="0">
+                <a:sym typeface="Wingdings" panose="05000000000000000000" pitchFamily="2" charset="2"/>
+              </a:rPr>
+              <a:t> </a:t>
+            </a:r>
+            <a:r>
+              <a:rPr lang="en-AU" sz="3200" dirty="0"/>
+              <a:t>CMD or CI/CD</a:t>
+            </a:r>
+          </a:p>
+          <a:p>
+            <a:r>
+              <a:rPr lang="en-AU" sz="3200" b="1" dirty="0">
+                <a:solidFill>
+                  <a:srgbClr val="0070C0"/>
+                </a:solidFill>
+              </a:rPr>
+              <a:t>Step 4</a:t>
+            </a:r>
+            <a:r>
+              <a:rPr lang="en-AU" sz="3200" dirty="0"/>
+              <a:t>: learn cloud service platform </a:t>
+            </a:r>
+            <a:r>
+              <a:rPr lang="en-AU" sz="3200" dirty="0">
+                <a:sym typeface="Wingdings" panose="05000000000000000000" pitchFamily="2" charset="2"/>
+              </a:rPr>
+              <a:t></a:t>
+            </a:r>
+            <a:r>
+              <a:rPr lang="en-AU" sz="3200" dirty="0"/>
+              <a:t> AWS, Azure, GCP</a:t>
+            </a:r>
+          </a:p>
+          <a:p>
+            <a:r>
+              <a:rPr lang="en-AU" sz="3200" dirty="0"/>
+              <a:t>Step 5:  learn Infrastructure provisioning </a:t>
+            </a:r>
+            <a:r>
+              <a:rPr lang="en-AU" sz="3200" dirty="0">
+                <a:sym typeface="Wingdings" panose="05000000000000000000" pitchFamily="2" charset="2"/>
+              </a:rPr>
+              <a:t> Terraform </a:t>
+            </a:r>
+            <a:endParaRPr lang="en-AU" sz="3200" dirty="0"/>
+          </a:p>
+          <a:p>
+            <a:r>
+              <a:rPr lang="en-AU" sz="3200" b="1" dirty="0">
+                <a:solidFill>
+                  <a:srgbClr val="7030A0"/>
+                </a:solidFill>
+              </a:rPr>
+              <a:t>Step 5</a:t>
+            </a:r>
+            <a:r>
+              <a:rPr lang="en-AU" sz="3200" dirty="0"/>
+              <a:t>: learn config mazement tool </a:t>
+            </a:r>
+            <a:r>
+              <a:rPr lang="en-AU" sz="3200" dirty="0">
+                <a:sym typeface="Wingdings" panose="05000000000000000000" pitchFamily="2" charset="2"/>
+              </a:rPr>
+              <a:t></a:t>
+            </a:r>
+            <a:r>
+              <a:rPr lang="en-AU" sz="3200" dirty="0"/>
+              <a:t> Chef, puppet, Ansible</a:t>
+            </a:r>
+          </a:p>
+          <a:p>
+            <a:r>
+              <a:rPr lang="en-AU" sz="3200" b="1" dirty="0">
+                <a:solidFill>
+                  <a:schemeClr val="accent6">
+                    <a:lumMod val="50000"/>
+                  </a:schemeClr>
+                </a:solidFill>
+              </a:rPr>
+              <a:t>Step 6</a:t>
+            </a:r>
+            <a:r>
+              <a:rPr lang="en-AU" sz="3200" dirty="0">
+                <a:solidFill>
+                  <a:schemeClr val="accent6">
+                    <a:lumMod val="50000"/>
+                  </a:schemeClr>
+                </a:solidFill>
+              </a:rPr>
+              <a:t>: </a:t>
+            </a:r>
+            <a:r>
+              <a:rPr lang="en-AU" sz="3200" dirty="0"/>
+              <a:t>learn logging &amp; monitor </a:t>
+            </a:r>
+            <a:r>
+              <a:rPr lang="en-AU" sz="3200" dirty="0">
+                <a:sym typeface="Wingdings" panose="05000000000000000000" pitchFamily="2" charset="2"/>
+              </a:rPr>
+              <a:t></a:t>
+            </a:r>
+            <a:r>
+              <a:rPr lang="en-AU" sz="3200" dirty="0"/>
+              <a:t> New Relic, Nagios</a:t>
+            </a:r>
+          </a:p>
+        </p:txBody>
+      </p:sp>
     </p:spTree>
     <p:extLst>
       <p:ext uri="{BB962C8B-B14F-4D97-AF65-F5344CB8AC3E}">
-        <p14:creationId xmlns:p14="http://schemas.microsoft.com/office/powerpoint/2010/main" val="167680257"/>
+        <p14:creationId xmlns:p14="http://schemas.microsoft.com/office/powerpoint/2010/main" val="180313891"/>
       </p:ext>
     </p:extLst>
   </p:cSld>
@@ -6513,335 +6862,46 @@
           <a:chExt cx="0" cy="0"/>
         </a:xfrm>
       </p:grpSpPr>
-      <p:sp>
-        <p:nvSpPr>
-          <p:cNvPr id="3" name="TextBox 2">
-            <a:extLst>
-              <a:ext uri="{FF2B5EF4-FFF2-40B4-BE49-F238E27FC236}">
-                <a16:creationId xmlns:a16="http://schemas.microsoft.com/office/drawing/2014/main" id="{BF95FF6F-5200-464A-8F52-61229A0BEF52}"/>
-              </a:ext>
-            </a:extLst>
-          </p:cNvPr>
-          <p:cNvSpPr txBox="1"/>
+      <p:pic>
+        <p:nvPicPr>
+          <p:cNvPr id="3" name="Picture 2" descr="Calendar&#10;&#10;Description automatically generated">
+            <a:extLst>
+              <a:ext uri="{FF2B5EF4-FFF2-40B4-BE49-F238E27FC236}">
+                <a16:creationId xmlns:a16="http://schemas.microsoft.com/office/drawing/2014/main" id="{0D624D8F-D56A-4437-B4EF-8891F8744214}"/>
+              </a:ext>
+            </a:extLst>
+          </p:cNvPr>
+          <p:cNvPicPr>
+            <a:picLocks noChangeAspect="1"/>
+          </p:cNvPicPr>
           <p:nvPr/>
-        </p:nvSpPr>
+        </p:nvPicPr>
+        <p:blipFill>
+          <a:blip r:embed="rId2">
+            <a:extLst>
+              <a:ext uri="{28A0092B-C50C-407E-A947-70E740481C1C}">
+                <a14:useLocalDpi xmlns:a14="http://schemas.microsoft.com/office/drawing/2010/main" val="0"/>
+              </a:ext>
+            </a:extLst>
+          </a:blip>
+          <a:stretch>
+            <a:fillRect/>
+          </a:stretch>
+        </p:blipFill>
         <p:spPr>
           <a:xfrm>
-            <a:off x="330200" y="838200"/>
-            <a:ext cx="3581400" cy="8402300"/>
+            <a:off x="-36945" y="0"/>
+            <a:ext cx="13004800" cy="10972800"/>
           </a:xfrm>
           <a:prstGeom prst="rect">
             <a:avLst/>
           </a:prstGeom>
-          <a:noFill/>
         </p:spPr>
-        <p:txBody>
-          <a:bodyPr wrap="square" rtlCol="0">
-            <a:spAutoFit/>
-          </a:bodyPr>
-          <a:lstStyle/>
-          <a:p>
-            <a:r>
-              <a:rPr lang="en-AU" sz="6000" dirty="0">
-                <a:latin typeface="Aparajita" panose="020B0502040204020203" pitchFamily="18" charset="0"/>
-                <a:cs typeface="Aparajita" panose="020B0502040204020203" pitchFamily="18" charset="0"/>
-              </a:rPr>
-              <a:t>1)Plan</a:t>
-            </a:r>
-          </a:p>
-          <a:p>
-            <a:r>
-              <a:rPr lang="en-AU" sz="6000" dirty="0">
-                <a:latin typeface="Aparajita" panose="020B0502040204020203" pitchFamily="18" charset="0"/>
-                <a:cs typeface="Aparajita" panose="020B0502040204020203" pitchFamily="18" charset="0"/>
-              </a:rPr>
-              <a:t>2)Code</a:t>
-            </a:r>
-          </a:p>
-          <a:p>
-            <a:r>
-              <a:rPr lang="en-AU" sz="6000" dirty="0">
-                <a:latin typeface="Aparajita" panose="020B0502040204020203" pitchFamily="18" charset="0"/>
-                <a:cs typeface="Aparajita" panose="020B0502040204020203" pitchFamily="18" charset="0"/>
-              </a:rPr>
-              <a:t>3)Build</a:t>
-            </a:r>
-          </a:p>
-          <a:p>
-            <a:r>
-              <a:rPr lang="en-AU" sz="6000" dirty="0">
-                <a:latin typeface="Aparajita" panose="020B0502040204020203" pitchFamily="18" charset="0"/>
-                <a:cs typeface="Aparajita" panose="020B0502040204020203" pitchFamily="18" charset="0"/>
-              </a:rPr>
-              <a:t>4)Deploy</a:t>
-            </a:r>
-          </a:p>
-          <a:p>
-            <a:r>
-              <a:rPr lang="en-AU" sz="6000" dirty="0">
-                <a:latin typeface="Aparajita" panose="020B0502040204020203" pitchFamily="18" charset="0"/>
-                <a:cs typeface="Aparajita" panose="020B0502040204020203" pitchFamily="18" charset="0"/>
-              </a:rPr>
-              <a:t>5)Test</a:t>
-            </a:r>
-          </a:p>
-          <a:p>
-            <a:r>
-              <a:rPr lang="en-AU" sz="6000" dirty="0">
-                <a:latin typeface="Aparajita" panose="020B0502040204020203" pitchFamily="18" charset="0"/>
-                <a:cs typeface="Aparajita" panose="020B0502040204020203" pitchFamily="18" charset="0"/>
-              </a:rPr>
-              <a:t>6)Rebase</a:t>
-            </a:r>
-          </a:p>
-          <a:p>
-            <a:r>
-              <a:rPr lang="en-AU" sz="6000" dirty="0">
-                <a:latin typeface="Aparajita" panose="020B0502040204020203" pitchFamily="18" charset="0"/>
-                <a:cs typeface="Aparajita" panose="020B0502040204020203" pitchFamily="18" charset="0"/>
-              </a:rPr>
-              <a:t>7)Configure</a:t>
-            </a:r>
-          </a:p>
-          <a:p>
-            <a:r>
-              <a:rPr lang="en-AU" sz="6000" dirty="0">
-                <a:latin typeface="Aparajita" panose="020B0502040204020203" pitchFamily="18" charset="0"/>
-                <a:cs typeface="Aparajita" panose="020B0502040204020203" pitchFamily="18" charset="0"/>
-              </a:rPr>
-              <a:t>8)Monitor</a:t>
-            </a:r>
-          </a:p>
-          <a:p>
-            <a:pPr marL="285750" indent="-285750">
-              <a:buFont typeface="Arial" panose="020B0604020202020204" pitchFamily="34" charset="0"/>
-              <a:buChar char="•"/>
-            </a:pPr>
-            <a:endParaRPr lang="en-AU" sz="6000" dirty="0"/>
-          </a:p>
-        </p:txBody>
-      </p:sp>
-      <p:sp>
-        <p:nvSpPr>
-          <p:cNvPr id="5" name="TextBox 4">
-            <a:extLst>
-              <a:ext uri="{FF2B5EF4-FFF2-40B4-BE49-F238E27FC236}">
-                <a16:creationId xmlns:a16="http://schemas.microsoft.com/office/drawing/2014/main" id="{81D8B3D9-9657-4378-900E-E066E0967839}"/>
-              </a:ext>
-            </a:extLst>
-          </p:cNvPr>
-          <p:cNvSpPr txBox="1"/>
-          <p:nvPr/>
-        </p:nvSpPr>
-        <p:spPr>
-          <a:xfrm>
-            <a:off x="2844800" y="-23356"/>
-            <a:ext cx="7315200" cy="2308324"/>
-          </a:xfrm>
-          <a:prstGeom prst="rect">
-            <a:avLst/>
-          </a:prstGeom>
-          <a:noFill/>
-        </p:spPr>
-        <p:txBody>
-          <a:bodyPr wrap="square" rtlCol="0">
-            <a:spAutoFit/>
-          </a:bodyPr>
-          <a:lstStyle/>
-          <a:p>
-            <a:r>
-              <a:rPr lang="en-AU" sz="7200" dirty="0"/>
-              <a:t> </a:t>
-            </a:r>
-            <a:r>
-              <a:rPr lang="en-AU" sz="7200" u="sng" dirty="0">
-                <a:solidFill>
-                  <a:schemeClr val="accent1">
-                    <a:lumMod val="75000"/>
-                  </a:schemeClr>
-                </a:solidFill>
-              </a:rPr>
-              <a:t>Dev</a:t>
-            </a:r>
-            <a:r>
-              <a:rPr lang="en-AU" sz="7200" u="sng" dirty="0">
-                <a:solidFill>
-                  <a:srgbClr val="92D050"/>
-                </a:solidFill>
-              </a:rPr>
-              <a:t>Ops</a:t>
-            </a:r>
-            <a:r>
-              <a:rPr lang="en-AU" sz="7200" u="sng" dirty="0"/>
-              <a:t> Roadmap</a:t>
-            </a:r>
-          </a:p>
-          <a:p>
-            <a:endParaRPr lang="en-AU" sz="7200" dirty="0"/>
-          </a:p>
-        </p:txBody>
-      </p:sp>
-      <p:sp>
-        <p:nvSpPr>
-          <p:cNvPr id="6" name="TextBox 5">
-            <a:extLst>
-              <a:ext uri="{FF2B5EF4-FFF2-40B4-BE49-F238E27FC236}">
-                <a16:creationId xmlns:a16="http://schemas.microsoft.com/office/drawing/2014/main" id="{3298B625-EAB9-40E5-A942-72FCDB81EA30}"/>
-              </a:ext>
-            </a:extLst>
-          </p:cNvPr>
-          <p:cNvSpPr txBox="1"/>
-          <p:nvPr/>
-        </p:nvSpPr>
-        <p:spPr>
-          <a:xfrm>
-            <a:off x="3396574" y="1447800"/>
-            <a:ext cx="9677400" cy="5509200"/>
-          </a:xfrm>
-          <a:prstGeom prst="rect">
-            <a:avLst/>
-          </a:prstGeom>
-          <a:noFill/>
-        </p:spPr>
-        <p:txBody>
-          <a:bodyPr wrap="square" rtlCol="0">
-            <a:spAutoFit/>
-          </a:bodyPr>
-          <a:lstStyle/>
-          <a:p>
-            <a:r>
-              <a:rPr lang="en-AU" sz="3200" b="1" dirty="0">
-                <a:solidFill>
-                  <a:srgbClr val="FF0000"/>
-                </a:solidFill>
-              </a:rPr>
-              <a:t>Step 1</a:t>
-            </a:r>
-            <a:r>
-              <a:rPr lang="en-AU" sz="3200" dirty="0"/>
-              <a:t>: Learn a Programming language</a:t>
-            </a:r>
-          </a:p>
-          <a:p>
-            <a:r>
-              <a:rPr lang="en-AU" sz="3200" b="1" dirty="0">
-                <a:solidFill>
-                  <a:schemeClr val="accent2">
-                    <a:lumMod val="75000"/>
-                  </a:schemeClr>
-                </a:solidFill>
-              </a:rPr>
-              <a:t>Step 2</a:t>
-            </a:r>
-            <a:r>
-              <a:rPr lang="en-AU" sz="3200" dirty="0"/>
-              <a:t>: Learn  Tools that need to depend </a:t>
-            </a:r>
-          </a:p>
-          <a:p>
-            <a:r>
-              <a:rPr lang="en-AU" sz="3200" dirty="0"/>
-              <a:t>           Build : </a:t>
-            </a:r>
-          </a:p>
-          <a:p>
-            <a:r>
-              <a:rPr lang="en-AU" sz="3200" dirty="0"/>
-              <a:t>           SCM   : GIT, GitHub, bitbucket, TFS</a:t>
-            </a:r>
-          </a:p>
-          <a:p>
-            <a:r>
-              <a:rPr lang="en-AU" sz="3200" dirty="0"/>
-              <a:t>           CICD  : Jenkins </a:t>
-            </a:r>
-          </a:p>
-          <a:p>
-            <a:r>
-              <a:rPr lang="en-AU" sz="3200" dirty="0"/>
-              <a:t>	 Containerization : Docker,k8s</a:t>
-            </a:r>
-          </a:p>
-          <a:p>
-            <a:r>
-              <a:rPr lang="en-AU" sz="3200" dirty="0"/>
-              <a:t>		   </a:t>
-            </a:r>
-          </a:p>
-          <a:p>
-            <a:r>
-              <a:rPr lang="en-AU" sz="3200" b="1" dirty="0">
-                <a:solidFill>
-                  <a:srgbClr val="FFC000"/>
-                </a:solidFill>
-              </a:rPr>
-              <a:t>Step 3</a:t>
-            </a:r>
-            <a:r>
-              <a:rPr lang="en-AU" sz="3200" dirty="0"/>
-              <a:t>: Learn how to run test from CMD,CICD </a:t>
-            </a:r>
-          </a:p>
-          <a:p>
-            <a:r>
-              <a:rPr lang="en-AU" sz="3200" b="1" dirty="0">
-                <a:solidFill>
-                  <a:srgbClr val="0070C0"/>
-                </a:solidFill>
-              </a:rPr>
-              <a:t>Step 4</a:t>
-            </a:r>
-            <a:r>
-              <a:rPr lang="en-AU" sz="3200" dirty="0"/>
-              <a:t>: learn cloud service platform AWS, Azure, GCP</a:t>
-            </a:r>
-          </a:p>
-          <a:p>
-            <a:r>
-              <a:rPr lang="en-AU" sz="3200" b="1" dirty="0">
-                <a:solidFill>
-                  <a:srgbClr val="7030A0"/>
-                </a:solidFill>
-              </a:rPr>
-              <a:t>Step 5</a:t>
-            </a:r>
-            <a:r>
-              <a:rPr lang="en-AU" sz="3200" dirty="0"/>
-              <a:t>: learn config mazement tool Chef, puppet, Ansible</a:t>
-            </a:r>
-          </a:p>
-          <a:p>
-            <a:r>
-              <a:rPr lang="en-AU" sz="3200" b="1" dirty="0">
-                <a:solidFill>
-                  <a:schemeClr val="accent6">
-                    <a:lumMod val="50000"/>
-                  </a:schemeClr>
-                </a:solidFill>
-              </a:rPr>
-              <a:t>Step 6</a:t>
-            </a:r>
-            <a:r>
-              <a:rPr lang="en-AU" sz="3200" dirty="0">
-                <a:solidFill>
-                  <a:schemeClr val="accent6">
-                    <a:lumMod val="50000"/>
-                  </a:schemeClr>
-                </a:solidFill>
-              </a:rPr>
-              <a:t>: </a:t>
-            </a:r>
-            <a:r>
-              <a:rPr lang="en-AU" sz="3200" dirty="0"/>
-              <a:t>learn logging &amp; monitor New Relic, Nagios</a:t>
-            </a:r>
-          </a:p>
-        </p:txBody>
-      </p:sp>
+      </p:pic>
     </p:spTree>
     <p:extLst>
       <p:ext uri="{BB962C8B-B14F-4D97-AF65-F5344CB8AC3E}">
-        <p14:creationId xmlns:p14="http://schemas.microsoft.com/office/powerpoint/2010/main" val="180313891"/>
+        <p14:creationId xmlns:p14="http://schemas.microsoft.com/office/powerpoint/2010/main" val="167680257"/>
       </p:ext>
     </p:extLst>
   </p:cSld>

--- a/devops-hsit.pptx
+++ b/devops-hsit.pptx
@@ -15,7 +15,8 @@
     <p:sldId id="271" r:id="rId9"/>
     <p:sldId id="269" r:id="rId10"/>
     <p:sldId id="272" r:id="rId11"/>
-    <p:sldId id="273" r:id="rId12"/>
+    <p:sldId id="274" r:id="rId12"/>
+    <p:sldId id="273" r:id="rId13"/>
   </p:sldIdLst>
   <p:sldSz cx="13004800" cy="9753600"/>
   <p:notesSz cx="13004800" cy="9753600"/>
@@ -294,7 +295,7 @@
           <a:p>
             <a:fld id="{1D8BD707-D9CF-40AE-B4C6-C98DA3205C09}" type="datetimeFigureOut">
               <a:rPr lang="en-US" smtClean="0"/>
-              <a:t>7/2/2021</a:t>
+              <a:t>7/3/2021</a:t>
             </a:fld>
             <a:endParaRPr lang="en-US"/>
           </a:p>
@@ -494,7 +495,7 @@
           <a:p>
             <a:fld id="{1D8BD707-D9CF-40AE-B4C6-C98DA3205C09}" type="datetimeFigureOut">
               <a:rPr lang="en-US" smtClean="0"/>
-              <a:t>7/2/2021</a:t>
+              <a:t>7/3/2021</a:t>
             </a:fld>
             <a:endParaRPr lang="en-US"/>
           </a:p>
@@ -704,7 +705,7 @@
           <a:p>
             <a:fld id="{1D8BD707-D9CF-40AE-B4C6-C98DA3205C09}" type="datetimeFigureOut">
               <a:rPr lang="en-US" smtClean="0"/>
-              <a:t>7/2/2021</a:t>
+              <a:t>7/3/2021</a:t>
             </a:fld>
             <a:endParaRPr lang="en-US"/>
           </a:p>
@@ -904,7 +905,7 @@
           <a:p>
             <a:fld id="{1D8BD707-D9CF-40AE-B4C6-C98DA3205C09}" type="datetimeFigureOut">
               <a:rPr lang="en-US" smtClean="0"/>
-              <a:t>7/2/2021</a:t>
+              <a:t>7/3/2021</a:t>
             </a:fld>
             <a:endParaRPr lang="en-US"/>
           </a:p>
@@ -1180,7 +1181,7 @@
           <a:p>
             <a:fld id="{1D8BD707-D9CF-40AE-B4C6-C98DA3205C09}" type="datetimeFigureOut">
               <a:rPr lang="en-US" smtClean="0"/>
-              <a:t>7/2/2021</a:t>
+              <a:t>7/3/2021</a:t>
             </a:fld>
             <a:endParaRPr lang="en-US"/>
           </a:p>
@@ -1448,7 +1449,7 @@
           <a:p>
             <a:fld id="{1D8BD707-D9CF-40AE-B4C6-C98DA3205C09}" type="datetimeFigureOut">
               <a:rPr lang="en-US" smtClean="0"/>
-              <a:t>7/2/2021</a:t>
+              <a:t>7/3/2021</a:t>
             </a:fld>
             <a:endParaRPr lang="en-US"/>
           </a:p>
@@ -1863,7 +1864,7 @@
           <a:p>
             <a:fld id="{1D8BD707-D9CF-40AE-B4C6-C98DA3205C09}" type="datetimeFigureOut">
               <a:rPr lang="en-US" smtClean="0"/>
-              <a:t>7/2/2021</a:t>
+              <a:t>7/3/2021</a:t>
             </a:fld>
             <a:endParaRPr lang="en-US"/>
           </a:p>
@@ -2005,7 +2006,7 @@
           <a:p>
             <a:fld id="{1D8BD707-D9CF-40AE-B4C6-C98DA3205C09}" type="datetimeFigureOut">
               <a:rPr lang="en-US" smtClean="0"/>
-              <a:t>7/2/2021</a:t>
+              <a:t>7/3/2021</a:t>
             </a:fld>
             <a:endParaRPr lang="en-US"/>
           </a:p>
@@ -2118,7 +2119,7 @@
           <a:p>
             <a:fld id="{1D8BD707-D9CF-40AE-B4C6-C98DA3205C09}" type="datetimeFigureOut">
               <a:rPr lang="en-US" smtClean="0"/>
-              <a:t>7/2/2021</a:t>
+              <a:t>7/3/2021</a:t>
             </a:fld>
             <a:endParaRPr lang="en-US"/>
           </a:p>
@@ -2431,7 +2432,7 @@
           <a:p>
             <a:fld id="{1D8BD707-D9CF-40AE-B4C6-C98DA3205C09}" type="datetimeFigureOut">
               <a:rPr lang="en-US" smtClean="0"/>
-              <a:t>7/2/2021</a:t>
+              <a:t>7/3/2021</a:t>
             </a:fld>
             <a:endParaRPr lang="en-US"/>
           </a:p>
@@ -2720,7 +2721,7 @@
           <a:p>
             <a:fld id="{1D8BD707-D9CF-40AE-B4C6-C98DA3205C09}" type="datetimeFigureOut">
               <a:rPr lang="en-US" smtClean="0"/>
-              <a:t>7/2/2021</a:t>
+              <a:t>7/3/2021</a:t>
             </a:fld>
             <a:endParaRPr lang="en-US"/>
           </a:p>
@@ -2963,7 +2964,7 @@
           <a:p>
             <a:fld id="{1D8BD707-D9CF-40AE-B4C6-C98DA3205C09}" type="datetimeFigureOut">
               <a:rPr lang="en-US" smtClean="0"/>
-              <a:t>7/2/2021</a:t>
+              <a:t>7/3/2021</a:t>
             </a:fld>
             <a:endParaRPr lang="en-US"/>
           </a:p>
@@ -4189,20 +4190,20 @@
       </p:grpSpPr>
       <p:sp>
         <p:nvSpPr>
-          <p:cNvPr id="2" name="Rectangle 1">
-            <a:extLst>
-              <a:ext uri="{FF2B5EF4-FFF2-40B4-BE49-F238E27FC236}">
-                <a16:creationId xmlns:a16="http://schemas.microsoft.com/office/drawing/2014/main" id="{87571315-CD39-42CD-B40C-43D42134D5C1}"/>
-              </a:ext>
-            </a:extLst>
-          </p:cNvPr>
-          <p:cNvSpPr/>
+          <p:cNvPr id="2" name="TextBox 1">
+            <a:extLst>
+              <a:ext uri="{FF2B5EF4-FFF2-40B4-BE49-F238E27FC236}">
+                <a16:creationId xmlns:a16="http://schemas.microsoft.com/office/drawing/2014/main" id="{4D0066F6-F99B-4B00-BE90-5A5BCB64E0CF}"/>
+              </a:ext>
+            </a:extLst>
+          </p:cNvPr>
+          <p:cNvSpPr txBox="1"/>
           <p:nvPr/>
         </p:nvSpPr>
         <p:spPr>
-          <a:xfrm>
-            <a:off x="4866312" y="4415135"/>
-            <a:ext cx="3272179" cy="923330"/>
+          <a:xfrm flipH="1">
+            <a:off x="711200" y="3886200"/>
+            <a:ext cx="10820400" cy="646331"/>
           </a:xfrm>
           <a:prstGeom prst="rect">
             <a:avLst/>
@@ -4210,18 +4211,15 @@
           <a:noFill/>
         </p:spPr>
         <p:txBody>
-          <a:bodyPr wrap="none" lIns="91440" tIns="45720" rIns="91440" bIns="45720">
+          <a:bodyPr wrap="square" rtlCol="0">
             <a:spAutoFit/>
           </a:bodyPr>
           <a:lstStyle/>
           <a:p>
             <a:pPr algn="ctr"/>
             <a:r>
-              <a:rPr lang="en-US" sz="5400" b="0" cap="none" spc="0">
+              <a:rPr lang="en-US" sz="3600" dirty="0">
                 <a:ln w="0"/>
-                <a:solidFill>
-                  <a:schemeClr val="tx1"/>
-                </a:solidFill>
                 <a:effectLst>
                   <a:outerShdw blurRad="38100" dist="19050" dir="2700000" algn="tl" rotWithShape="0">
                     <a:schemeClr val="dk1">
@@ -4230,21 +4228,143 @@
                   </a:outerShdw>
                 </a:effectLst>
               </a:rPr>
+              <a:t>https://github.com/Niteshbhat/Free-DevOps-Books-1</a:t>
+            </a:r>
+          </a:p>
+        </p:txBody>
+      </p:sp>
+      <p:sp>
+        <p:nvSpPr>
+          <p:cNvPr id="3" name="Rectangle 2">
+            <a:extLst>
+              <a:ext uri="{FF2B5EF4-FFF2-40B4-BE49-F238E27FC236}">
+                <a16:creationId xmlns:a16="http://schemas.microsoft.com/office/drawing/2014/main" id="{682D71FB-E26D-40DF-8F10-819C56354C82}"/>
+              </a:ext>
+            </a:extLst>
+          </p:cNvPr>
+          <p:cNvSpPr/>
+          <p:nvPr/>
+        </p:nvSpPr>
+        <p:spPr>
+          <a:xfrm>
+            <a:off x="1854200" y="1905000"/>
+            <a:ext cx="9144000" cy="1446550"/>
+          </a:xfrm>
+          <a:prstGeom prst="rect">
+            <a:avLst/>
+          </a:prstGeom>
+          <a:noFill/>
+        </p:spPr>
+        <p:txBody>
+          <a:bodyPr wrap="square" lIns="91440" tIns="45720" rIns="91440" bIns="45720">
+            <a:spAutoFit/>
+            <a:scene3d>
+              <a:camera prst="isometricOffAxis1Right"/>
+              <a:lightRig rig="threePt" dir="t"/>
+            </a:scene3d>
+            <a:sp3d extrusionH="57150">
+              <a:bevelT w="38100" h="38100"/>
+            </a:sp3d>
+          </a:bodyPr>
+          <a:lstStyle/>
+          <a:p>
+            <a:pPr algn="ctr"/>
+            <a:r>
+              <a:rPr lang="en-US" sz="8800" b="0" cap="none" spc="0" dirty="0">
+                <a:ln w="0"/>
+                <a:solidFill>
+                  <a:schemeClr val="tx2">
+                    <a:lumMod val="50000"/>
+                  </a:schemeClr>
+                </a:solidFill>
+                <a:effectLst>
+                  <a:outerShdw blurRad="38100" dist="19050" dir="2700000" algn="tl" rotWithShape="0">
+                    <a:schemeClr val="dk1">
+                      <a:alpha val="40000"/>
+                    </a:schemeClr>
+                  </a:outerShdw>
+                </a:effectLst>
+              </a:rPr>
+              <a:t>Free Books</a:t>
+            </a:r>
+          </a:p>
+        </p:txBody>
+      </p:sp>
+    </p:spTree>
+    <p:extLst>
+      <p:ext uri="{BB962C8B-B14F-4D97-AF65-F5344CB8AC3E}">
+        <p14:creationId xmlns:p14="http://schemas.microsoft.com/office/powerpoint/2010/main" val="1047924452"/>
+      </p:ext>
+    </p:extLst>
+  </p:cSld>
+  <p:clrMapOvr>
+    <a:masterClrMapping/>
+  </p:clrMapOvr>
+</p:sld>
+</file>
+
+<file path=ppt/slides/slide12.xml><?xml version="1.0" encoding="utf-8"?>
+<p:sld xmlns:a="http://schemas.openxmlformats.org/drawingml/2006/main" xmlns:r="http://schemas.openxmlformats.org/officeDocument/2006/relationships" xmlns:p="http://schemas.openxmlformats.org/presentationml/2006/main">
+  <p:cSld>
+    <p:spTree>
+      <p:nvGrpSpPr>
+        <p:cNvPr id="1" name=""/>
+        <p:cNvGrpSpPr/>
+        <p:nvPr/>
+      </p:nvGrpSpPr>
+      <p:grpSpPr>
+        <a:xfrm>
+          <a:off x="0" y="0"/>
+          <a:ext cx="0" cy="0"/>
+          <a:chOff x="0" y="0"/>
+          <a:chExt cx="0" cy="0"/>
+        </a:xfrm>
+      </p:grpSpPr>
+      <p:sp>
+        <p:nvSpPr>
+          <p:cNvPr id="2" name="Rectangle 1">
+            <a:extLst>
+              <a:ext uri="{FF2B5EF4-FFF2-40B4-BE49-F238E27FC236}">
+                <a16:creationId xmlns:a16="http://schemas.microsoft.com/office/drawing/2014/main" id="{87571315-CD39-42CD-B40C-43D42134D5C1}"/>
+              </a:ext>
+            </a:extLst>
+          </p:cNvPr>
+          <p:cNvSpPr/>
+          <p:nvPr/>
+        </p:nvSpPr>
+        <p:spPr>
+          <a:xfrm>
+            <a:off x="4866310" y="4419600"/>
+            <a:ext cx="3272178" cy="923330"/>
+          </a:xfrm>
+          <a:prstGeom prst="rect">
+            <a:avLst/>
+          </a:prstGeom>
+          <a:noFill/>
+        </p:spPr>
+        <p:txBody>
+          <a:bodyPr wrap="none" lIns="91440" tIns="45720" rIns="91440" bIns="45720">
+            <a:spAutoFit/>
+          </a:bodyPr>
+          <a:lstStyle/>
+          <a:p>
+            <a:pPr algn="ctr"/>
+            <a:r>
+              <a:rPr lang="en-US" sz="5400" b="0" cap="none" spc="0" dirty="0">
+                <a:ln w="0"/>
+                <a:solidFill>
+                  <a:schemeClr val="tx1"/>
+                </a:solidFill>
+                <a:effectLst>
+                  <a:outerShdw blurRad="38100" dist="19050" dir="2700000" algn="tl" rotWithShape="0">
+                    <a:schemeClr val="dk1">
+                      <a:alpha val="40000"/>
+                    </a:schemeClr>
+                  </a:outerShdw>
+                </a:effectLst>
+              </a:rPr>
               <a:t>Thank YOU</a:t>
             </a:r>
-            <a:endParaRPr lang="en-US" sz="5400" b="0" cap="none" spc="0" dirty="0">
-              <a:ln w="0"/>
-              <a:solidFill>
-                <a:schemeClr val="tx1"/>
-              </a:solidFill>
-              <a:effectLst>
-                <a:outerShdw blurRad="38100" dist="19050" dir="2700000" algn="tl" rotWithShape="0">
-                  <a:schemeClr val="dk1">
-                    <a:alpha val="40000"/>
-                  </a:schemeClr>
-                </a:outerShdw>
-              </a:effectLst>
-            </a:endParaRPr>
           </a:p>
         </p:txBody>
       </p:sp>
